--- a/Презентация по учебной практике.pptx
+++ b/Презентация по учебной практике.pptx
@@ -21,7 +21,7 @@
     <p:sldId id="280" r:id="rId15"/>
     <p:sldId id="281" r:id="rId16"/>
     <p:sldId id="268" r:id="rId17"/>
-    <p:sldId id="282" r:id="rId18"/>
+    <p:sldId id="283" r:id="rId18"/>
   </p:sldIdLst>
   <p:sldSz cx="12192000" cy="6858000"/>
   <p:notesSz cx="6858000" cy="9144000"/>
@@ -122,7 +122,7 @@
   </p:defaultTextStyle>
   <p:extLst>
     <p:ext uri="{EFAFB233-063F-42B5-8137-9DF3F51BA10A}">
-      <p15:sldGuideLst xmlns:p15="http://schemas.microsoft.com/office/powerpoint/2012/main">
+      <p15:sldGuideLst xmlns="" xmlns:p15="http://schemas.microsoft.com/office/powerpoint/2012/main">
         <p15:guide id="1" orient="horz" pos="2160">
           <p15:clr>
             <a:srgbClr val="A4A3A4"/>
@@ -3827,9 +3827,9 @@
       </a:lvl9pPr>
     </p:otherStyle>
   </p:txStyles>
-  <p:extLst>
+  <p:extLst mod="1">
     <p:ext uri="{27BBF7A9-308A-43DC-89C8-2F10F3537804}">
-      <p15:sldGuideLst xmlns:p15="http://schemas.microsoft.com/office/powerpoint/2012/main">
+      <p15:sldGuideLst xmlns="" xmlns:p15="http://schemas.microsoft.com/office/powerpoint/2012/main">
         <p15:guide id="3" orient="horz" pos="1368">
           <p15:clr>
             <a:srgbClr val="F26B43"/>
@@ -3898,7 +3898,7 @@
           <p:cNvPr id="5" name="TextBox 4">
             <a:extLst>
               <a:ext uri="{FF2B5EF4-FFF2-40B4-BE49-F238E27FC236}">
-                <a16:creationId xmlns:a16="http://schemas.microsoft.com/office/drawing/2014/main" id="{83D0DC80-42FC-4DCE-A018-EFA515ACE129}"/>
+                <a16:creationId xmlns="" xmlns:a16="http://schemas.microsoft.com/office/drawing/2014/main" id="{83D0DC80-42FC-4DCE-A018-EFA515ACE129}"/>
               </a:ext>
             </a:extLst>
           </p:cNvPr>
@@ -3937,7 +3937,7 @@
           <p:cNvPr id="6" name="TextBox 5">
             <a:extLst>
               <a:ext uri="{FF2B5EF4-FFF2-40B4-BE49-F238E27FC236}">
-                <a16:creationId xmlns:a16="http://schemas.microsoft.com/office/drawing/2014/main" id="{B6CBCA83-7B37-4755-BC10-364C30559C1A}"/>
+                <a16:creationId xmlns="" xmlns:a16="http://schemas.microsoft.com/office/drawing/2014/main" id="{B6CBCA83-7B37-4755-BC10-364C30559C1A}"/>
               </a:ext>
             </a:extLst>
           </p:cNvPr>
@@ -3986,7 +3986,7 @@
           <p:cNvPr id="7" name="TextBox 6">
             <a:extLst>
               <a:ext uri="{FF2B5EF4-FFF2-40B4-BE49-F238E27FC236}">
-                <a16:creationId xmlns:a16="http://schemas.microsoft.com/office/drawing/2014/main" id="{0D4BA202-1243-40FF-B304-CDFCB77D4EE7}"/>
+                <a16:creationId xmlns="" xmlns:a16="http://schemas.microsoft.com/office/drawing/2014/main" id="{0D4BA202-1243-40FF-B304-CDFCB77D4EE7}"/>
               </a:ext>
             </a:extLst>
           </p:cNvPr>
@@ -4072,7 +4072,7 @@
           <p:cNvPr id="8" name="TextBox 7">
             <a:extLst>
               <a:ext uri="{FF2B5EF4-FFF2-40B4-BE49-F238E27FC236}">
-                <a16:creationId xmlns:a16="http://schemas.microsoft.com/office/drawing/2014/main" id="{7123CF90-653F-4570-BF0C-3E95592B3681}"/>
+                <a16:creationId xmlns="" xmlns:a16="http://schemas.microsoft.com/office/drawing/2014/main" id="{7123CF90-653F-4570-BF0C-3E95592B3681}"/>
               </a:ext>
             </a:extLst>
           </p:cNvPr>
@@ -4108,7 +4108,7 @@
           <p:cNvPr id="10" name="Прямая соединительная линия 9">
             <a:extLst>
               <a:ext uri="{FF2B5EF4-FFF2-40B4-BE49-F238E27FC236}">
-                <a16:creationId xmlns:a16="http://schemas.microsoft.com/office/drawing/2014/main" id="{6AAA9755-85F4-4DE7-AFB8-E3C29C5B849F}"/>
+                <a16:creationId xmlns="" xmlns:a16="http://schemas.microsoft.com/office/drawing/2014/main" id="{6AAA9755-85F4-4DE7-AFB8-E3C29C5B849F}"/>
               </a:ext>
             </a:extLst>
           </p:cNvPr>
@@ -4144,7 +4144,7 @@
           <p:cNvPr id="11" name="TextBox 10">
             <a:extLst>
               <a:ext uri="{FF2B5EF4-FFF2-40B4-BE49-F238E27FC236}">
-                <a16:creationId xmlns:a16="http://schemas.microsoft.com/office/drawing/2014/main" id="{E2BD0C4F-AB8D-4241-96FC-DD23A68FC3AC}"/>
+                <a16:creationId xmlns="" xmlns:a16="http://schemas.microsoft.com/office/drawing/2014/main" id="{E2BD0C4F-AB8D-4241-96FC-DD23A68FC3AC}"/>
               </a:ext>
             </a:extLst>
           </p:cNvPr>
@@ -4180,7 +4180,7 @@
           <p:cNvPr id="12" name="Прямая соединительная линия 11">
             <a:extLst>
               <a:ext uri="{FF2B5EF4-FFF2-40B4-BE49-F238E27FC236}">
-                <a16:creationId xmlns:a16="http://schemas.microsoft.com/office/drawing/2014/main" id="{FD9238EF-09D0-439B-8E1B-4D234826E578}"/>
+                <a16:creationId xmlns="" xmlns:a16="http://schemas.microsoft.com/office/drawing/2014/main" id="{FD9238EF-09D0-439B-8E1B-4D234826E578}"/>
               </a:ext>
             </a:extLst>
           </p:cNvPr>
@@ -4218,7 +4218,7 @@
           <p:cNvPr id="15" name="TextBox 14">
             <a:extLst>
               <a:ext uri="{FF2B5EF4-FFF2-40B4-BE49-F238E27FC236}">
-                <a16:creationId xmlns:a16="http://schemas.microsoft.com/office/drawing/2014/main" id="{7EC1C8AA-3746-45AE-8234-A70BD92A109D}"/>
+                <a16:creationId xmlns="" xmlns:a16="http://schemas.microsoft.com/office/drawing/2014/main" id="{7EC1C8AA-3746-45AE-8234-A70BD92A109D}"/>
               </a:ext>
             </a:extLst>
           </p:cNvPr>
@@ -4227,7 +4227,7 @@
         </p:nvSpPr>
         <p:spPr>
           <a:xfrm>
-            <a:off x="2400300" y="4733924"/>
+            <a:off x="2457450" y="4705349"/>
             <a:ext cx="2472641" cy="338554"/>
           </a:xfrm>
           <a:prstGeom prst="rect">
@@ -4263,7 +4263,7 @@
           <p:cNvPr id="17" name="TextBox 16">
             <a:extLst>
               <a:ext uri="{FF2B5EF4-FFF2-40B4-BE49-F238E27FC236}">
-                <a16:creationId xmlns:a16="http://schemas.microsoft.com/office/drawing/2014/main" id="{9DB974FD-3E1F-4BA0-9041-6CAE15A4B62C}"/>
+                <a16:creationId xmlns="" xmlns:a16="http://schemas.microsoft.com/office/drawing/2014/main" id="{9DB974FD-3E1F-4BA0-9041-6CAE15A4B62C}"/>
               </a:ext>
             </a:extLst>
           </p:cNvPr>
@@ -4315,6 +4315,13 @@
       </p:transition>
     </mc:Fallback>
   </mc:AlternateContent>
+  <p:timing>
+    <p:tnLst>
+      <p:par>
+        <p:cTn id="1" dur="indefinite" restart="never" nodeType="tmRoot"/>
+      </p:par>
+    </p:tnLst>
+  </p:timing>
 </p:sld>
 </file>
 
@@ -4542,6 +4549,13 @@
   <p:transition spd="slow">
     <p:push dir="u"/>
   </p:transition>
+  <p:timing>
+    <p:tnLst>
+      <p:par>
+        <p:cTn id="1" dur="indefinite" restart="never" nodeType="tmRoot"/>
+      </p:par>
+    </p:tnLst>
+  </p:timing>
 </p:sld>
 </file>
 
@@ -4567,7 +4581,7 @@
           <p:cNvPr id="3" name="Прямоугольник 2">
             <a:extLst>
               <a:ext uri="{FF2B5EF4-FFF2-40B4-BE49-F238E27FC236}">
-                <a16:creationId xmlns:a16="http://schemas.microsoft.com/office/drawing/2014/main" id="{81555B2D-914D-45E3-A7B3-7188563A4C1C}"/>
+                <a16:creationId xmlns="" xmlns:a16="http://schemas.microsoft.com/office/drawing/2014/main" id="{81555B2D-914D-45E3-A7B3-7188563A4C1C}"/>
               </a:ext>
             </a:extLst>
           </p:cNvPr>
@@ -4754,6 +4768,13 @@
   <p:transition spd="slow">
     <p:push dir="u"/>
   </p:transition>
+  <p:timing>
+    <p:tnLst>
+      <p:par>
+        <p:cTn id="1" dur="indefinite" restart="never" nodeType="tmRoot"/>
+      </p:par>
+    </p:tnLst>
+  </p:timing>
 </p:sld>
 </file>
 
@@ -4856,6 +4877,13 @@
   <p:transition spd="slow">
     <p:push dir="u"/>
   </p:transition>
+  <p:timing>
+    <p:tnLst>
+      <p:par>
+        <p:cTn id="1" dur="indefinite" restart="never" nodeType="tmRoot"/>
+      </p:par>
+    </p:tnLst>
+  </p:timing>
 </p:sld>
 </file>
 
@@ -4958,6 +4986,13 @@
   <p:transition spd="slow">
     <p:push dir="u"/>
   </p:transition>
+  <p:timing>
+    <p:tnLst>
+      <p:par>
+        <p:cTn id="1" dur="indefinite" restart="never" nodeType="tmRoot"/>
+      </p:par>
+    </p:tnLst>
+  </p:timing>
 </p:sld>
 </file>
 
@@ -5017,7 +5052,7 @@
       </p:sp>
       <p:pic>
         <p:nvPicPr>
-          <p:cNvPr id="4" name="Рисунок 3"/>
+          <p:cNvPr id="6" name="Рисунок 5"/>
           <p:cNvPicPr/>
           <p:nvPr/>
         </p:nvPicPr>
@@ -5029,22 +5064,12 @@
         </p:blipFill>
         <p:spPr>
           <a:xfrm>
-            <a:off x="1519554" y="1171520"/>
+            <a:off x="1506854" y="1184220"/>
             <a:ext cx="9529446" cy="3959280"/>
           </a:xfrm>
           <a:prstGeom prst="rect">
             <a:avLst/>
           </a:prstGeom>
-          <a:ln>
-            <a:noFill/>
-          </a:ln>
-          <a:effectLst>
-            <a:outerShdw blurRad="292100" dist="139700" dir="2700000" algn="tl" rotWithShape="0">
-              <a:srgbClr val="333333">
-                <a:alpha val="65000"/>
-              </a:srgbClr>
-            </a:outerShdw>
-          </a:effectLst>
         </p:spPr>
       </p:pic>
     </p:spTree>
@@ -5060,6 +5085,13 @@
   <p:transition spd="slow">
     <p:push dir="u"/>
   </p:transition>
+  <p:timing>
+    <p:tnLst>
+      <p:par>
+        <p:cTn id="1" dur="indefinite" restart="never" nodeType="tmRoot"/>
+      </p:par>
+    </p:tnLst>
+  </p:timing>
 </p:sld>
 </file>
 
@@ -5119,7 +5151,7 @@
       </p:sp>
       <p:pic>
         <p:nvPicPr>
-          <p:cNvPr id="4" name="Рисунок 3"/>
+          <p:cNvPr id="5" name="Рисунок 4"/>
           <p:cNvPicPr/>
           <p:nvPr/>
         </p:nvPicPr>
@@ -5137,16 +5169,6 @@
           <a:prstGeom prst="rect">
             <a:avLst/>
           </a:prstGeom>
-          <a:ln>
-            <a:noFill/>
-          </a:ln>
-          <a:effectLst>
-            <a:outerShdw blurRad="292100" dist="139700" dir="2700000" algn="tl" rotWithShape="0">
-              <a:srgbClr val="333333">
-                <a:alpha val="65000"/>
-              </a:srgbClr>
-            </a:outerShdw>
-          </a:effectLst>
         </p:spPr>
       </p:pic>
     </p:spTree>
@@ -5162,6 +5184,13 @@
   <p:transition spd="slow">
     <p:push dir="u"/>
   </p:transition>
+  <p:timing>
+    <p:tnLst>
+      <p:par>
+        <p:cTn id="1" dur="indefinite" restart="never" nodeType="tmRoot"/>
+      </p:par>
+    </p:tnLst>
+  </p:timing>
 </p:sld>
 </file>
 
@@ -5187,7 +5216,7 @@
           <p:cNvPr id="3" name="Прямоугольник 2">
             <a:extLst>
               <a:ext uri="{FF2B5EF4-FFF2-40B4-BE49-F238E27FC236}">
-                <a16:creationId xmlns:a16="http://schemas.microsoft.com/office/drawing/2014/main" id="{81555B2D-914D-45E3-A7B3-7188563A4C1C}"/>
+                <a16:creationId xmlns="" xmlns:a16="http://schemas.microsoft.com/office/drawing/2014/main" id="{81555B2D-914D-45E3-A7B3-7188563A4C1C}"/>
               </a:ext>
             </a:extLst>
           </p:cNvPr>
@@ -5313,6 +5342,13 @@
   <p:transition spd="slow">
     <p:push dir="u"/>
   </p:transition>
+  <p:timing>
+    <p:tnLst>
+      <p:par>
+        <p:cTn id="1" dur="indefinite" restart="never" nodeType="tmRoot"/>
+      </p:par>
+    </p:tnLst>
+  </p:timing>
 </p:sld>
 </file>
 
@@ -5338,7 +5374,7 @@
           <p:cNvPr id="5" name="TextBox 4">
             <a:extLst>
               <a:ext uri="{FF2B5EF4-FFF2-40B4-BE49-F238E27FC236}">
-                <a16:creationId xmlns:a16="http://schemas.microsoft.com/office/drawing/2014/main" id="{83D0DC80-42FC-4DCE-A018-EFA515ACE129}"/>
+                <a16:creationId xmlns="" xmlns:a16="http://schemas.microsoft.com/office/drawing/2014/main" id="{83D0DC80-42FC-4DCE-A018-EFA515ACE129}"/>
               </a:ext>
             </a:extLst>
           </p:cNvPr>
@@ -5377,7 +5413,7 @@
           <p:cNvPr id="6" name="TextBox 5">
             <a:extLst>
               <a:ext uri="{FF2B5EF4-FFF2-40B4-BE49-F238E27FC236}">
-                <a16:creationId xmlns:a16="http://schemas.microsoft.com/office/drawing/2014/main" id="{B6CBCA83-7B37-4755-BC10-364C30559C1A}"/>
+                <a16:creationId xmlns="" xmlns:a16="http://schemas.microsoft.com/office/drawing/2014/main" id="{B6CBCA83-7B37-4755-BC10-364C30559C1A}"/>
               </a:ext>
             </a:extLst>
           </p:cNvPr>
@@ -5426,7 +5462,7 @@
           <p:cNvPr id="7" name="TextBox 6">
             <a:extLst>
               <a:ext uri="{FF2B5EF4-FFF2-40B4-BE49-F238E27FC236}">
-                <a16:creationId xmlns:a16="http://schemas.microsoft.com/office/drawing/2014/main" id="{0D4BA202-1243-40FF-B304-CDFCB77D4EE7}"/>
+                <a16:creationId xmlns="" xmlns:a16="http://schemas.microsoft.com/office/drawing/2014/main" id="{0D4BA202-1243-40FF-B304-CDFCB77D4EE7}"/>
               </a:ext>
             </a:extLst>
           </p:cNvPr>
@@ -5512,7 +5548,7 @@
           <p:cNvPr id="8" name="TextBox 7">
             <a:extLst>
               <a:ext uri="{FF2B5EF4-FFF2-40B4-BE49-F238E27FC236}">
-                <a16:creationId xmlns:a16="http://schemas.microsoft.com/office/drawing/2014/main" id="{7123CF90-653F-4570-BF0C-3E95592B3681}"/>
+                <a16:creationId xmlns="" xmlns:a16="http://schemas.microsoft.com/office/drawing/2014/main" id="{7123CF90-653F-4570-BF0C-3E95592B3681}"/>
               </a:ext>
             </a:extLst>
           </p:cNvPr>
@@ -5548,7 +5584,7 @@
           <p:cNvPr id="10" name="Прямая соединительная линия 9">
             <a:extLst>
               <a:ext uri="{FF2B5EF4-FFF2-40B4-BE49-F238E27FC236}">
-                <a16:creationId xmlns:a16="http://schemas.microsoft.com/office/drawing/2014/main" id="{6AAA9755-85F4-4DE7-AFB8-E3C29C5B849F}"/>
+                <a16:creationId xmlns="" xmlns:a16="http://schemas.microsoft.com/office/drawing/2014/main" id="{6AAA9755-85F4-4DE7-AFB8-E3C29C5B849F}"/>
               </a:ext>
             </a:extLst>
           </p:cNvPr>
@@ -5584,7 +5620,7 @@
           <p:cNvPr id="11" name="TextBox 10">
             <a:extLst>
               <a:ext uri="{FF2B5EF4-FFF2-40B4-BE49-F238E27FC236}">
-                <a16:creationId xmlns:a16="http://schemas.microsoft.com/office/drawing/2014/main" id="{E2BD0C4F-AB8D-4241-96FC-DD23A68FC3AC}"/>
+                <a16:creationId xmlns="" xmlns:a16="http://schemas.microsoft.com/office/drawing/2014/main" id="{E2BD0C4F-AB8D-4241-96FC-DD23A68FC3AC}"/>
               </a:ext>
             </a:extLst>
           </p:cNvPr>
@@ -5620,7 +5656,7 @@
           <p:cNvPr id="12" name="Прямая соединительная линия 11">
             <a:extLst>
               <a:ext uri="{FF2B5EF4-FFF2-40B4-BE49-F238E27FC236}">
-                <a16:creationId xmlns:a16="http://schemas.microsoft.com/office/drawing/2014/main" id="{FD9238EF-09D0-439B-8E1B-4D234826E578}"/>
+                <a16:creationId xmlns="" xmlns:a16="http://schemas.microsoft.com/office/drawing/2014/main" id="{FD9238EF-09D0-439B-8E1B-4D234826E578}"/>
               </a:ext>
             </a:extLst>
           </p:cNvPr>
@@ -5658,7 +5694,7 @@
           <p:cNvPr id="15" name="TextBox 14">
             <a:extLst>
               <a:ext uri="{FF2B5EF4-FFF2-40B4-BE49-F238E27FC236}">
-                <a16:creationId xmlns:a16="http://schemas.microsoft.com/office/drawing/2014/main" id="{7EC1C8AA-3746-45AE-8234-A70BD92A109D}"/>
+                <a16:creationId xmlns="" xmlns:a16="http://schemas.microsoft.com/office/drawing/2014/main" id="{7EC1C8AA-3746-45AE-8234-A70BD92A109D}"/>
               </a:ext>
             </a:extLst>
           </p:cNvPr>
@@ -5667,8 +5703,8 @@
         </p:nvSpPr>
         <p:spPr>
           <a:xfrm>
-            <a:off x="2598057" y="4733924"/>
-            <a:ext cx="2274884" cy="307777"/>
+            <a:off x="2457450" y="4705349"/>
+            <a:ext cx="2472641" cy="338554"/>
           </a:xfrm>
           <a:prstGeom prst="rect">
             <a:avLst/>
@@ -5682,11 +5718,18 @@
           <a:lstStyle/>
           <a:p>
             <a:r>
+              <a:rPr lang="ru-RU" sz="1600" dirty="0">
+                <a:latin typeface="Arial" pitchFamily="34" charset="0"/>
+                <a:cs typeface="Arial" pitchFamily="34" charset="0"/>
+              </a:rPr>
+              <a:t>Руководитель практики</a:t>
+            </a:r>
+            <a:r>
               <a:rPr lang="ru-RU" sz="1400" dirty="0">
                 <a:latin typeface="Arial" pitchFamily="34" charset="0"/>
                 <a:cs typeface="Arial" pitchFamily="34" charset="0"/>
               </a:rPr>
-              <a:t>Руководитель практики:</a:t>
+              <a:t>:</a:t>
             </a:r>
           </a:p>
         </p:txBody>
@@ -5696,7 +5739,7 @@
           <p:cNvPr id="17" name="TextBox 16">
             <a:extLst>
               <a:ext uri="{FF2B5EF4-FFF2-40B4-BE49-F238E27FC236}">
-                <a16:creationId xmlns:a16="http://schemas.microsoft.com/office/drawing/2014/main" id="{9DB974FD-3E1F-4BA0-9041-6CAE15A4B62C}"/>
+                <a16:creationId xmlns="" xmlns:a16="http://schemas.microsoft.com/office/drawing/2014/main" id="{9DB974FD-3E1F-4BA0-9041-6CAE15A4B62C}"/>
               </a:ext>
             </a:extLst>
           </p:cNvPr>
@@ -5729,7 +5772,7 @@
     </p:spTree>
     <p:extLst>
       <p:ext uri="{BB962C8B-B14F-4D97-AF65-F5344CB8AC3E}">
-        <p14:creationId xmlns:p14="http://schemas.microsoft.com/office/powerpoint/2010/main" val="715836278"/>
+        <p14:creationId xmlns:p14="http://schemas.microsoft.com/office/powerpoint/2010/main" val="4142584414"/>
       </p:ext>
     </p:extLst>
   </p:cSld>
@@ -5748,6 +5791,13 @@
       </p:transition>
     </mc:Fallback>
   </mc:AlternateContent>
+  <p:timing>
+    <p:tnLst>
+      <p:par>
+        <p:cTn id="1" dur="indefinite" restart="never" nodeType="tmRoot"/>
+      </p:par>
+    </p:tnLst>
+  </p:timing>
 </p:sld>
 </file>
 
@@ -5773,7 +5823,7 @@
           <p:cNvPr id="2" name="Прямоугольник 1">
             <a:extLst>
               <a:ext uri="{FF2B5EF4-FFF2-40B4-BE49-F238E27FC236}">
-                <a16:creationId xmlns:a16="http://schemas.microsoft.com/office/drawing/2014/main" id="{81555B2D-914D-45E3-A7B3-7188563A4C1C}"/>
+                <a16:creationId xmlns="" xmlns:a16="http://schemas.microsoft.com/office/drawing/2014/main" id="{81555B2D-914D-45E3-A7B3-7188563A4C1C}"/>
               </a:ext>
             </a:extLst>
           </p:cNvPr>
@@ -5810,7 +5860,7 @@
           <p:cNvPr id="3" name="TextBox 2">
             <a:extLst>
               <a:ext uri="{FF2B5EF4-FFF2-40B4-BE49-F238E27FC236}">
-                <a16:creationId xmlns:a16="http://schemas.microsoft.com/office/drawing/2014/main" id="{D0E71CC3-70D8-43BC-977C-BB68D18FBA98}"/>
+                <a16:creationId xmlns="" xmlns:a16="http://schemas.microsoft.com/office/drawing/2014/main" id="{D0E71CC3-70D8-43BC-977C-BB68D18FBA98}"/>
               </a:ext>
             </a:extLst>
           </p:cNvPr>
@@ -5853,7 +5903,7 @@
           <p:cNvPr id="4" name="TextBox 3">
             <a:extLst>
               <a:ext uri="{FF2B5EF4-FFF2-40B4-BE49-F238E27FC236}">
-                <a16:creationId xmlns:a16="http://schemas.microsoft.com/office/drawing/2014/main" id="{E28B1E43-A31D-46F6-BBF5-4DD68B526F92}"/>
+                <a16:creationId xmlns="" xmlns:a16="http://schemas.microsoft.com/office/drawing/2014/main" id="{E28B1E43-A31D-46F6-BBF5-4DD68B526F92}"/>
               </a:ext>
             </a:extLst>
           </p:cNvPr>
@@ -5863,7 +5913,7 @@
         <p:spPr>
           <a:xfrm>
             <a:off x="1355834" y="2445415"/>
-            <a:ext cx="9711558" cy="3000821"/>
+            <a:ext cx="9711558" cy="2585323"/>
           </a:xfrm>
           <a:prstGeom prst="rect">
             <a:avLst/>
@@ -5890,11 +5940,11 @@
             </a:r>
           </a:p>
           <a:p>
-            <a:pPr lvl="0" indent="450000" algn="just">
+            <a:pPr marL="342900" lvl="0" indent="-342900" algn="just">
               <a:lnSpc>
                 <a:spcPct val="150000"/>
               </a:lnSpc>
-              <a:buFont typeface="Arial" pitchFamily="34" charset="0"/>
+              <a:buFont typeface="Arial" panose="020B0604020202020204" pitchFamily="34" charset="0"/>
               <a:buChar char="•"/>
             </a:pPr>
             <a:r>
@@ -5902,31 +5952,29 @@
                 <a:latin typeface="Arial" pitchFamily="34" charset="0"/>
                 <a:cs typeface="Arial" pitchFamily="34" charset="0"/>
               </a:rPr>
-              <a:t>Закрепление и углубление знаний и умений.</a:t>
-            </a:r>
-          </a:p>
-          <a:p>
-            <a:pPr lvl="0" indent="450000" algn="just">
-              <a:lnSpc>
-                <a:spcPct val="150000"/>
-              </a:lnSpc>
-              <a:buFont typeface="Arial" pitchFamily="34" charset="0"/>
-              <a:buChar char="•"/>
-            </a:pPr>
+              <a:t>А</a:t>
+            </a:r>
+            <a:r>
+              <a:rPr lang="ru-RU" dirty="0" smtClean="0">
+                <a:latin typeface="Arial" pitchFamily="34" charset="0"/>
+                <a:cs typeface="Arial" pitchFamily="34" charset="0"/>
+              </a:rPr>
+              <a:t>нализ </a:t>
+            </a:r>
             <a:r>
               <a:rPr lang="ru-RU" dirty="0">
                 <a:latin typeface="Arial" pitchFamily="34" charset="0"/>
                 <a:cs typeface="Arial" pitchFamily="34" charset="0"/>
               </a:rPr>
-              <a:t>Формирование необходимых навыков профессиональной компетенции.</a:t>
-            </a:r>
-          </a:p>
-          <a:p>
-            <a:pPr lvl="0" indent="450000" algn="just">
+              <a:t>предметной области;</a:t>
+            </a:r>
+          </a:p>
+          <a:p>
+            <a:pPr marL="342900" lvl="0" indent="-342900" algn="just">
               <a:lnSpc>
                 <a:spcPct val="150000"/>
               </a:lnSpc>
-              <a:buFont typeface="Arial" pitchFamily="34" charset="0"/>
+              <a:buFont typeface="Arial" panose="020B0604020202020204" pitchFamily="34" charset="0"/>
               <a:buChar char="•"/>
             </a:pPr>
             <a:r>
@@ -5934,31 +5982,29 @@
                 <a:latin typeface="Arial" pitchFamily="34" charset="0"/>
                 <a:cs typeface="Arial" pitchFamily="34" charset="0"/>
               </a:rPr>
-              <a:t>Развить готовность выполнять поставленные профессиональные задачи.</a:t>
-            </a:r>
-          </a:p>
-          <a:p>
-            <a:pPr lvl="0" indent="450000" algn="just">
-              <a:lnSpc>
-                <a:spcPct val="150000"/>
-              </a:lnSpc>
-              <a:buFont typeface="Arial" pitchFamily="34" charset="0"/>
-              <a:buChar char="•"/>
-            </a:pPr>
+              <a:t>Р</a:t>
+            </a:r>
+            <a:r>
+              <a:rPr lang="ru-RU" dirty="0" smtClean="0">
+                <a:latin typeface="Arial" pitchFamily="34" charset="0"/>
+                <a:cs typeface="Arial" pitchFamily="34" charset="0"/>
+              </a:rPr>
+              <a:t>азвить </a:t>
+            </a:r>
             <a:r>
               <a:rPr lang="ru-RU" dirty="0">
                 <a:latin typeface="Arial" pitchFamily="34" charset="0"/>
                 <a:cs typeface="Arial" pitchFamily="34" charset="0"/>
               </a:rPr>
-              <a:t>Разработка программных модулей¸ оптимизированных для работы.</a:t>
-            </a:r>
-          </a:p>
-          <a:p>
-            <a:pPr lvl="0" indent="450000" algn="just">
+              <a:t>готовность выполнять поставленные профессиональные задачи;</a:t>
+            </a:r>
+          </a:p>
+          <a:p>
+            <a:pPr marL="342900" lvl="0" indent="-342900" algn="just">
               <a:lnSpc>
                 <a:spcPct val="150000"/>
               </a:lnSpc>
-              <a:buFont typeface="Arial" pitchFamily="34" charset="0"/>
+              <a:buFont typeface="Arial" panose="020B0604020202020204" pitchFamily="34" charset="0"/>
               <a:buChar char="•"/>
             </a:pPr>
             <a:r>
@@ -5966,7 +6012,51 @@
                 <a:latin typeface="Arial" pitchFamily="34" charset="0"/>
                 <a:cs typeface="Arial" pitchFamily="34" charset="0"/>
               </a:rPr>
-              <a:t>Тестирование разработанных программных модулей на соответствие функциональным требованиям.</a:t>
+              <a:t>Р</a:t>
+            </a:r>
+            <a:r>
+              <a:rPr lang="ru-RU" dirty="0" smtClean="0">
+                <a:latin typeface="Arial" pitchFamily="34" charset="0"/>
+                <a:cs typeface="Arial" pitchFamily="34" charset="0"/>
+              </a:rPr>
+              <a:t>азработка </a:t>
+            </a:r>
+            <a:r>
+              <a:rPr lang="ru-RU" dirty="0">
+                <a:latin typeface="Arial" pitchFamily="34" charset="0"/>
+                <a:cs typeface="Arial" pitchFamily="34" charset="0"/>
+              </a:rPr>
+              <a:t>программных модулей¸ оптимизированных для работы;</a:t>
+            </a:r>
+          </a:p>
+          <a:p>
+            <a:pPr marL="342900" lvl="0" indent="-342900" algn="just">
+              <a:lnSpc>
+                <a:spcPct val="150000"/>
+              </a:lnSpc>
+              <a:buFont typeface="Arial" panose="020B0604020202020204" pitchFamily="34" charset="0"/>
+              <a:buChar char="•"/>
+            </a:pPr>
+            <a:r>
+              <a:rPr lang="ru-RU" dirty="0">
+                <a:latin typeface="Arial" pitchFamily="34" charset="0"/>
+                <a:cs typeface="Arial" pitchFamily="34" charset="0"/>
+              </a:rPr>
+              <a:t>Т</a:t>
+            </a:r>
+            <a:r>
+              <a:rPr lang="ru-RU" dirty="0" smtClean="0">
+                <a:latin typeface="Arial" pitchFamily="34" charset="0"/>
+                <a:cs typeface="Arial" pitchFamily="34" charset="0"/>
+              </a:rPr>
+              <a:t>естирование </a:t>
+            </a:r>
+            <a:r>
+              <a:rPr lang="ru-RU" dirty="0">
+                <a:latin typeface="Arial" pitchFamily="34" charset="0"/>
+                <a:cs typeface="Arial" pitchFamily="34" charset="0"/>
+              </a:rPr>
+              <a:t>разработанных программных модулей на соответствие функциональным требованиям.</a:t>
             </a:r>
           </a:p>
         </p:txBody>
@@ -5984,6 +6074,13 @@
   <p:transition spd="slow">
     <p:push dir="u"/>
   </p:transition>
+  <p:timing>
+    <p:tnLst>
+      <p:par>
+        <p:cTn id="1" dur="indefinite" restart="never" nodeType="tmRoot"/>
+      </p:par>
+    </p:tnLst>
+  </p:timing>
 </p:sld>
 </file>
 
@@ -6009,7 +6106,7 @@
           <p:cNvPr id="2" name="Прямоугольник 1">
             <a:extLst>
               <a:ext uri="{FF2B5EF4-FFF2-40B4-BE49-F238E27FC236}">
-                <a16:creationId xmlns:a16="http://schemas.microsoft.com/office/drawing/2014/main" id="{81555B2D-914D-45E3-A7B3-7188563A4C1C}"/>
+                <a16:creationId xmlns="" xmlns:a16="http://schemas.microsoft.com/office/drawing/2014/main" id="{81555B2D-914D-45E3-A7B3-7188563A4C1C}"/>
               </a:ext>
             </a:extLst>
           </p:cNvPr>
@@ -6046,7 +6143,7 @@
           <p:cNvPr id="3" name="TextBox 2">
             <a:extLst>
               <a:ext uri="{FF2B5EF4-FFF2-40B4-BE49-F238E27FC236}">
-                <a16:creationId xmlns:a16="http://schemas.microsoft.com/office/drawing/2014/main" id="{D0E71CC3-70D8-43BC-977C-BB68D18FBA98}"/>
+                <a16:creationId xmlns="" xmlns:a16="http://schemas.microsoft.com/office/drawing/2014/main" id="{D0E71CC3-70D8-43BC-977C-BB68D18FBA98}"/>
               </a:ext>
             </a:extLst>
           </p:cNvPr>
@@ -6099,7 +6196,7 @@
           <p:cNvPr id="4" name="TextBox 3">
             <a:extLst>
               <a:ext uri="{FF2B5EF4-FFF2-40B4-BE49-F238E27FC236}">
-                <a16:creationId xmlns:a16="http://schemas.microsoft.com/office/drawing/2014/main" id="{E28B1E43-A31D-46F6-BBF5-4DD68B526F92}"/>
+                <a16:creationId xmlns="" xmlns:a16="http://schemas.microsoft.com/office/drawing/2014/main" id="{E28B1E43-A31D-46F6-BBF5-4DD68B526F92}"/>
               </a:ext>
             </a:extLst>
           </p:cNvPr>
@@ -6135,47 +6232,7 @@
                 <a:latin typeface="Arial" panose="020B0604020202020204" pitchFamily="34" charset="0"/>
                 <a:cs typeface="Arial" panose="020B0604020202020204" pitchFamily="34" charset="0"/>
               </a:rPr>
-              <a:t>SQL Server </a:t>
-            </a:r>
-            <a:r>
-              <a:rPr lang="ru-RU" b="1" dirty="0" err="1">
-                <a:solidFill>
-                  <a:srgbClr val="000000"/>
-                </a:solidFill>
-                <a:latin typeface="Arial" panose="020B0604020202020204" pitchFamily="34" charset="0"/>
-                <a:cs typeface="Arial" panose="020B0604020202020204" pitchFamily="34" charset="0"/>
-              </a:rPr>
-              <a:t>Management</a:t>
-            </a:r>
-            <a:r>
-              <a:rPr lang="ru-RU" b="1" dirty="0">
-                <a:solidFill>
-                  <a:srgbClr val="000000"/>
-                </a:solidFill>
-                <a:latin typeface="Arial" panose="020B0604020202020204" pitchFamily="34" charset="0"/>
-                <a:cs typeface="Arial" panose="020B0604020202020204" pitchFamily="34" charset="0"/>
-              </a:rPr>
-              <a:t> </a:t>
-            </a:r>
-            <a:r>
-              <a:rPr lang="ru-RU" b="1" dirty="0" err="1">
-                <a:solidFill>
-                  <a:srgbClr val="000000"/>
-                </a:solidFill>
-                <a:latin typeface="Arial" panose="020B0604020202020204" pitchFamily="34" charset="0"/>
-                <a:cs typeface="Arial" panose="020B0604020202020204" pitchFamily="34" charset="0"/>
-              </a:rPr>
-              <a:t>Studio</a:t>
-            </a:r>
-            <a:r>
-              <a:rPr lang="ru-RU" b="1" dirty="0">
-                <a:solidFill>
-                  <a:srgbClr val="000000"/>
-                </a:solidFill>
-                <a:latin typeface="Arial" panose="020B0604020202020204" pitchFamily="34" charset="0"/>
-                <a:cs typeface="Arial" panose="020B0604020202020204" pitchFamily="34" charset="0"/>
-              </a:rPr>
-              <a:t> </a:t>
+              <a:t>SQL Server Management Studio </a:t>
             </a:r>
             <a:endParaRPr lang="ru-RU" dirty="0">
               <a:solidFill>
@@ -6192,7 +6249,7 @@
           <p:cNvPr id="5" name="TextBox 4">
             <a:extLst>
               <a:ext uri="{FF2B5EF4-FFF2-40B4-BE49-F238E27FC236}">
-                <a16:creationId xmlns:a16="http://schemas.microsoft.com/office/drawing/2014/main" id="{DB02A083-6DF6-45B9-BD50-40EF778642EE}"/>
+                <a16:creationId xmlns="" xmlns:a16="http://schemas.microsoft.com/office/drawing/2014/main" id="{DB02A083-6DF6-45B9-BD50-40EF778642EE}"/>
               </a:ext>
             </a:extLst>
           </p:cNvPr>
@@ -6289,7 +6346,7 @@
           <p:cNvPr id="9" name="Picture 2" descr="Download Microsoft Visio Logo in SVG Vector or PNG File Format - Logo.wine">
             <a:extLst>
               <a:ext uri="{FF2B5EF4-FFF2-40B4-BE49-F238E27FC236}">
-                <a16:creationId xmlns:a16="http://schemas.microsoft.com/office/drawing/2014/main" id="{1D6BC3D7-876C-468F-B14D-6B0A170F29D9}"/>
+                <a16:creationId xmlns="" xmlns:a16="http://schemas.microsoft.com/office/drawing/2014/main" id="{1D6BC3D7-876C-468F-B14D-6B0A170F29D9}"/>
               </a:ext>
             </a:extLst>
           </p:cNvPr>
@@ -6345,7 +6402,7 @@
           <p:cNvPr id="10" name="Picture 4" descr="Microsoft Visual Studio — Википедия">
             <a:extLst>
               <a:ext uri="{FF2B5EF4-FFF2-40B4-BE49-F238E27FC236}">
-                <a16:creationId xmlns:a16="http://schemas.microsoft.com/office/drawing/2014/main" id="{B07C53F9-E43E-4226-9E91-C6BC49420702}"/>
+                <a16:creationId xmlns="" xmlns:a16="http://schemas.microsoft.com/office/drawing/2014/main" id="{B07C53F9-E43E-4226-9E91-C6BC49420702}"/>
               </a:ext>
             </a:extLst>
           </p:cNvPr>
@@ -6409,6 +6466,13 @@
   <p:transition spd="slow">
     <p:push dir="u"/>
   </p:transition>
+  <p:timing>
+    <p:tnLst>
+      <p:par>
+        <p:cTn id="1" dur="indefinite" restart="never" nodeType="tmRoot"/>
+      </p:par>
+    </p:tnLst>
+  </p:timing>
 </p:sld>
 </file>
 
@@ -6434,7 +6498,7 @@
           <p:cNvPr id="3" name="Прямоугольник 2">
             <a:extLst>
               <a:ext uri="{FF2B5EF4-FFF2-40B4-BE49-F238E27FC236}">
-                <a16:creationId xmlns:a16="http://schemas.microsoft.com/office/drawing/2014/main" id="{81555B2D-914D-45E3-A7B3-7188563A4C1C}"/>
+                <a16:creationId xmlns="" xmlns:a16="http://schemas.microsoft.com/office/drawing/2014/main" id="{81555B2D-914D-45E3-A7B3-7188563A4C1C}"/>
               </a:ext>
             </a:extLst>
           </p:cNvPr>
@@ -6516,6 +6580,13 @@
   <p:transition spd="slow">
     <p:push dir="u"/>
   </p:transition>
+  <p:timing>
+    <p:tnLst>
+      <p:par>
+        <p:cTn id="1" dur="indefinite" restart="never" nodeType="tmRoot"/>
+      </p:par>
+    </p:tnLst>
+  </p:timing>
 </p:sld>
 </file>
 
@@ -6541,7 +6612,7 @@
           <p:cNvPr id="3" name="Прямоугольник 2">
             <a:extLst>
               <a:ext uri="{FF2B5EF4-FFF2-40B4-BE49-F238E27FC236}">
-                <a16:creationId xmlns:a16="http://schemas.microsoft.com/office/drawing/2014/main" id="{81555B2D-914D-45E3-A7B3-7188563A4C1C}"/>
+                <a16:creationId xmlns="" xmlns:a16="http://schemas.microsoft.com/office/drawing/2014/main" id="{81555B2D-914D-45E3-A7B3-7188563A4C1C}"/>
               </a:ext>
             </a:extLst>
           </p:cNvPr>
@@ -6583,7 +6654,7 @@
           <p:cNvPr id="2" name="Прямоугольник 1">
             <a:extLst>
               <a:ext uri="{FF2B5EF4-FFF2-40B4-BE49-F238E27FC236}">
-                <a16:creationId xmlns:a16="http://schemas.microsoft.com/office/drawing/2014/main" id="{882B10A3-E81D-43CC-9101-460A18614BDD}"/>
+                <a16:creationId xmlns="" xmlns:a16="http://schemas.microsoft.com/office/drawing/2014/main" id="{882B10A3-E81D-43CC-9101-460A18614BDD}"/>
               </a:ext>
             </a:extLst>
           </p:cNvPr>
@@ -6634,7 +6705,7 @@
       </p:sp>
       <p:pic>
         <p:nvPicPr>
-          <p:cNvPr id="4" name="Рисунок 3"/>
+          <p:cNvPr id="5" name="Рисунок 4"/>
           <p:cNvPicPr/>
           <p:nvPr/>
         </p:nvPicPr>
@@ -6646,8 +6717,8 @@
         </p:blipFill>
         <p:spPr>
           <a:xfrm>
-            <a:off x="1384300" y="1204764"/>
-            <a:ext cx="10274300" cy="5361136"/>
+            <a:off x="1898149" y="1134344"/>
+            <a:ext cx="8834019" cy="5218330"/>
           </a:xfrm>
           <a:prstGeom prst="rect">
             <a:avLst/>
@@ -6677,6 +6748,13 @@
   <p:transition spd="slow">
     <p:push dir="u"/>
   </p:transition>
+  <p:timing>
+    <p:tnLst>
+      <p:par>
+        <p:cTn id="1" dur="indefinite" restart="never" nodeType="tmRoot"/>
+      </p:par>
+    </p:tnLst>
+  </p:timing>
 </p:sld>
 </file>
 
@@ -6702,7 +6780,7 @@
           <p:cNvPr id="3" name="Прямоугольник 2">
             <a:extLst>
               <a:ext uri="{FF2B5EF4-FFF2-40B4-BE49-F238E27FC236}">
-                <a16:creationId xmlns:a16="http://schemas.microsoft.com/office/drawing/2014/main" id="{81555B2D-914D-45E3-A7B3-7188563A4C1C}"/>
+                <a16:creationId xmlns="" xmlns:a16="http://schemas.microsoft.com/office/drawing/2014/main" id="{81555B2D-914D-45E3-A7B3-7188563A4C1C}"/>
               </a:ext>
             </a:extLst>
           </p:cNvPr>
@@ -6744,7 +6822,7 @@
           <p:cNvPr id="2" name="Прямоугольник 1">
             <a:extLst>
               <a:ext uri="{FF2B5EF4-FFF2-40B4-BE49-F238E27FC236}">
-                <a16:creationId xmlns:a16="http://schemas.microsoft.com/office/drawing/2014/main" id="{882B10A3-E81D-43CC-9101-460A18614BDD}"/>
+                <a16:creationId xmlns="" xmlns:a16="http://schemas.microsoft.com/office/drawing/2014/main" id="{882B10A3-E81D-43CC-9101-460A18614BDD}"/>
               </a:ext>
             </a:extLst>
           </p:cNvPr>
@@ -6838,6 +6916,13 @@
   <p:transition spd="slow">
     <p:push dir="u"/>
   </p:transition>
+  <p:timing>
+    <p:tnLst>
+      <p:par>
+        <p:cTn id="1" dur="indefinite" restart="never" nodeType="tmRoot"/>
+      </p:par>
+    </p:tnLst>
+  </p:timing>
 </p:sld>
 </file>
 
@@ -6863,7 +6948,7 @@
           <p:cNvPr id="3" name="Прямоугольник 2">
             <a:extLst>
               <a:ext uri="{FF2B5EF4-FFF2-40B4-BE49-F238E27FC236}">
-                <a16:creationId xmlns:a16="http://schemas.microsoft.com/office/drawing/2014/main" id="{81555B2D-914D-45E3-A7B3-7188563A4C1C}"/>
+                <a16:creationId xmlns="" xmlns:a16="http://schemas.microsoft.com/office/drawing/2014/main" id="{81555B2D-914D-45E3-A7B3-7188563A4C1C}"/>
               </a:ext>
             </a:extLst>
           </p:cNvPr>
@@ -6945,6 +7030,13 @@
   <p:transition spd="slow">
     <p:push dir="u"/>
   </p:transition>
+  <p:timing>
+    <p:tnLst>
+      <p:par>
+        <p:cTn id="1" dur="indefinite" restart="never" nodeType="tmRoot"/>
+      </p:par>
+    </p:tnLst>
+  </p:timing>
 </p:sld>
 </file>
 
@@ -6970,7 +7062,7 @@
           <p:cNvPr id="3" name="Прямоугольник 2">
             <a:extLst>
               <a:ext uri="{FF2B5EF4-FFF2-40B4-BE49-F238E27FC236}">
-                <a16:creationId xmlns:a16="http://schemas.microsoft.com/office/drawing/2014/main" id="{81555B2D-914D-45E3-A7B3-7188563A4C1C}"/>
+                <a16:creationId xmlns="" xmlns:a16="http://schemas.microsoft.com/office/drawing/2014/main" id="{81555B2D-914D-45E3-A7B3-7188563A4C1C}"/>
               </a:ext>
             </a:extLst>
           </p:cNvPr>
@@ -7348,6 +7440,13 @@
   <p:transition spd="slow">
     <p:push dir="u"/>
   </p:transition>
+  <p:timing>
+    <p:tnLst>
+      <p:par>
+        <p:cTn id="1" dur="indefinite" restart="never" nodeType="tmRoot"/>
+      </p:par>
+    </p:tnLst>
+  </p:timing>
 </p:sld>
 </file>
 
@@ -7672,13 +7771,20 @@
   <p:transition spd="slow">
     <p:push dir="u"/>
   </p:transition>
+  <p:timing>
+    <p:tnLst>
+      <p:par>
+        <p:cTn id="1" dur="indefinite" restart="never" nodeType="tmRoot"/>
+      </p:par>
+    </p:tnLst>
+  </p:timing>
 </p:sld>
 </file>
 
 <file path=ppt/theme/theme1.xml><?xml version="1.0" encoding="utf-8"?>
 <a:theme xmlns:a="http://schemas.openxmlformats.org/drawingml/2006/main" name="Уголки">
   <a:themeElements>
-    <a:clrScheme name="Уголки">
+    <a:clrScheme name="Литейная">
       <a:dk1>
         <a:sysClr val="windowText" lastClr="000000"/>
       </a:dk1>
@@ -7686,34 +7792,34 @@
         <a:sysClr val="window" lastClr="FFFFFF"/>
       </a:lt1>
       <a:dk2>
-        <a:srgbClr val="191B0E"/>
+        <a:srgbClr val="676A55"/>
       </a:dk2>
       <a:lt2>
-        <a:srgbClr val="EFEDE3"/>
+        <a:srgbClr val="EAEBDE"/>
       </a:lt2>
       <a:accent1>
-        <a:srgbClr val="8C8D86"/>
+        <a:srgbClr val="72A376"/>
       </a:accent1>
       <a:accent2>
-        <a:srgbClr val="E6C069"/>
+        <a:srgbClr val="B0CCB0"/>
       </a:accent2>
       <a:accent3>
-        <a:srgbClr val="897B61"/>
+        <a:srgbClr val="A8CDD7"/>
       </a:accent3>
       <a:accent4>
-        <a:srgbClr val="8DAB8E"/>
+        <a:srgbClr val="C0BEAF"/>
       </a:accent4>
       <a:accent5>
-        <a:srgbClr val="77A2BB"/>
+        <a:srgbClr val="CEC597"/>
       </a:accent5>
       <a:accent6>
-        <a:srgbClr val="E28394"/>
+        <a:srgbClr val="E8B7B7"/>
       </a:accent6>
       <a:hlink>
-        <a:srgbClr val="77A2BB"/>
+        <a:srgbClr val="DB5353"/>
       </a:hlink>
       <a:folHlink>
-        <a:srgbClr val="957A99"/>
+        <a:srgbClr val="903638"/>
       </a:folHlink>
     </a:clrScheme>
     <a:fontScheme name="Уголки">
@@ -7927,7 +8033,7 @@
   <a:extraClrSchemeLst/>
   <a:extLst>
     <a:ext uri="{05A4C25C-085E-4340-85A3-A5531E510DB2}">
-      <thm15:themeFamily xmlns:thm15="http://schemas.microsoft.com/office/thememl/2012/main" name="Crop" id="{EC9488ED-E761-4D60-9AC4-764D1FE2C171}" vid="{CE19780C-D67D-4C13-9DE9-A52BC3BA51B4}"/>
+      <thm15:themeFamily xmlns="" xmlns:thm15="http://schemas.microsoft.com/office/thememl/2012/main" name="Crop" id="{EC9488ED-E761-4D60-9AC4-764D1FE2C171}" vid="{CE19780C-D67D-4C13-9DE9-A52BC3BA51B4}"/>
     </a:ext>
   </a:extLst>
 </a:theme>

--- a/Презентация по учебной практике.pptx
+++ b/Презентация по учебной практике.pptx
@@ -122,7 +122,7 @@
   </p:defaultTextStyle>
   <p:extLst>
     <p:ext uri="{EFAFB233-063F-42B5-8137-9DF3F51BA10A}">
-      <p15:sldGuideLst xmlns="" xmlns:p15="http://schemas.microsoft.com/office/powerpoint/2012/main">
+      <p15:sldGuideLst xmlns:p15="http://schemas.microsoft.com/office/powerpoint/2012/main" xmlns="">
         <p15:guide id="1" orient="horz" pos="2160">
           <p15:clr>
             <a:srgbClr val="A4A3A4"/>
@@ -300,7 +300,7 @@
           <a:p>
             <a:fld id="{A97F0FA2-7EBE-44DE-8B42-0A69B6F070A6}" type="datetimeFigureOut">
               <a:rPr lang="ru-RU" smtClean="0"/>
-              <a:t>05.12.2023</a:t>
+              <a:t>06.12.2023</a:t>
             </a:fld>
             <a:endParaRPr lang="ru-RU"/>
           </a:p>
@@ -633,7 +633,7 @@
           <a:p>
             <a:fld id="{A97F0FA2-7EBE-44DE-8B42-0A69B6F070A6}" type="datetimeFigureOut">
               <a:rPr lang="ru-RU" smtClean="0"/>
-              <a:t>05.12.2023</a:t>
+              <a:t>06.12.2023</a:t>
             </a:fld>
             <a:endParaRPr lang="ru-RU"/>
           </a:p>
@@ -816,7 +816,7 @@
           <a:p>
             <a:fld id="{A97F0FA2-7EBE-44DE-8B42-0A69B6F070A6}" type="datetimeFigureOut">
               <a:rPr lang="ru-RU" smtClean="0"/>
-              <a:t>05.12.2023</a:t>
+              <a:t>06.12.2023</a:t>
             </a:fld>
             <a:endParaRPr lang="ru-RU"/>
           </a:p>
@@ -989,7 +989,7 @@
           <a:p>
             <a:fld id="{A97F0FA2-7EBE-44DE-8B42-0A69B6F070A6}" type="datetimeFigureOut">
               <a:rPr lang="ru-RU" smtClean="0"/>
-              <a:t>05.12.2023</a:t>
+              <a:t>06.12.2023</a:t>
             </a:fld>
             <a:endParaRPr lang="ru-RU"/>
           </a:p>
@@ -1264,7 +1264,7 @@
           <a:p>
             <a:fld id="{A97F0FA2-7EBE-44DE-8B42-0A69B6F070A6}" type="datetimeFigureOut">
               <a:rPr lang="ru-RU" smtClean="0"/>
-              <a:t>05.12.2023</a:t>
+              <a:t>06.12.2023</a:t>
             </a:fld>
             <a:endParaRPr lang="ru-RU"/>
           </a:p>
@@ -1661,7 +1661,7 @@
           <a:p>
             <a:fld id="{A97F0FA2-7EBE-44DE-8B42-0A69B6F070A6}" type="datetimeFigureOut">
               <a:rPr lang="ru-RU" smtClean="0"/>
-              <a:t>05.12.2023</a:t>
+              <a:t>06.12.2023</a:t>
             </a:fld>
             <a:endParaRPr lang="ru-RU"/>
           </a:p>
@@ -2141,7 +2141,7 @@
           <a:p>
             <a:fld id="{A97F0FA2-7EBE-44DE-8B42-0A69B6F070A6}" type="datetimeFigureOut">
               <a:rPr lang="ru-RU" smtClean="0"/>
-              <a:t>05.12.2023</a:t>
+              <a:t>06.12.2023</a:t>
             </a:fld>
             <a:endParaRPr lang="ru-RU"/>
           </a:p>
@@ -2262,7 +2262,7 @@
           <a:p>
             <a:fld id="{A97F0FA2-7EBE-44DE-8B42-0A69B6F070A6}" type="datetimeFigureOut">
               <a:rPr lang="ru-RU" smtClean="0"/>
-              <a:t>05.12.2023</a:t>
+              <a:t>06.12.2023</a:t>
             </a:fld>
             <a:endParaRPr lang="ru-RU"/>
           </a:p>
@@ -2360,7 +2360,7 @@
           <a:p>
             <a:fld id="{A97F0FA2-7EBE-44DE-8B42-0A69B6F070A6}" type="datetimeFigureOut">
               <a:rPr lang="ru-RU" smtClean="0"/>
-              <a:t>05.12.2023</a:t>
+              <a:t>06.12.2023</a:t>
             </a:fld>
             <a:endParaRPr lang="ru-RU"/>
           </a:p>
@@ -2709,7 +2709,7 @@
           <a:p>
             <a:fld id="{A97F0FA2-7EBE-44DE-8B42-0A69B6F070A6}" type="datetimeFigureOut">
               <a:rPr lang="ru-RU" smtClean="0"/>
-              <a:t>05.12.2023</a:t>
+              <a:t>06.12.2023</a:t>
             </a:fld>
             <a:endParaRPr lang="ru-RU"/>
           </a:p>
@@ -3100,7 +3100,7 @@
           <a:p>
             <a:fld id="{A97F0FA2-7EBE-44DE-8B42-0A69B6F070A6}" type="datetimeFigureOut">
               <a:rPr lang="ru-RU" smtClean="0"/>
-              <a:t>05.12.2023</a:t>
+              <a:t>06.12.2023</a:t>
             </a:fld>
             <a:endParaRPr lang="ru-RU"/>
           </a:p>
@@ -3378,7 +3378,7 @@
           <a:p>
             <a:fld id="{A97F0FA2-7EBE-44DE-8B42-0A69B6F070A6}" type="datetimeFigureOut">
               <a:rPr lang="ru-RU" smtClean="0"/>
-              <a:t>05.12.2023</a:t>
+              <a:t>06.12.2023</a:t>
             </a:fld>
             <a:endParaRPr lang="ru-RU"/>
           </a:p>
@@ -3829,7 +3829,7 @@
   </p:txStyles>
   <p:extLst mod="1">
     <p:ext uri="{27BBF7A9-308A-43DC-89C8-2F10F3537804}">
-      <p15:sldGuideLst xmlns="" xmlns:p15="http://schemas.microsoft.com/office/powerpoint/2012/main">
+      <p15:sldGuideLst xmlns:p15="http://schemas.microsoft.com/office/powerpoint/2012/main" xmlns="">
         <p15:guide id="3" orient="horz" pos="1368">
           <p15:clr>
             <a:srgbClr val="F26B43"/>
@@ -3898,7 +3898,7 @@
           <p:cNvPr id="5" name="TextBox 4">
             <a:extLst>
               <a:ext uri="{FF2B5EF4-FFF2-40B4-BE49-F238E27FC236}">
-                <a16:creationId xmlns="" xmlns:a16="http://schemas.microsoft.com/office/drawing/2014/main" id="{83D0DC80-42FC-4DCE-A018-EFA515ACE129}"/>
+                <a16:creationId xmlns:a16="http://schemas.microsoft.com/office/drawing/2014/main" xmlns="" id="{83D0DC80-42FC-4DCE-A018-EFA515ACE129}"/>
               </a:ext>
             </a:extLst>
           </p:cNvPr>
@@ -3937,7 +3937,7 @@
           <p:cNvPr id="6" name="TextBox 5">
             <a:extLst>
               <a:ext uri="{FF2B5EF4-FFF2-40B4-BE49-F238E27FC236}">
-                <a16:creationId xmlns="" xmlns:a16="http://schemas.microsoft.com/office/drawing/2014/main" id="{B6CBCA83-7B37-4755-BC10-364C30559C1A}"/>
+                <a16:creationId xmlns:a16="http://schemas.microsoft.com/office/drawing/2014/main" xmlns="" id="{B6CBCA83-7B37-4755-BC10-364C30559C1A}"/>
               </a:ext>
             </a:extLst>
           </p:cNvPr>
@@ -3986,7 +3986,7 @@
           <p:cNvPr id="7" name="TextBox 6">
             <a:extLst>
               <a:ext uri="{FF2B5EF4-FFF2-40B4-BE49-F238E27FC236}">
-                <a16:creationId xmlns="" xmlns:a16="http://schemas.microsoft.com/office/drawing/2014/main" id="{0D4BA202-1243-40FF-B304-CDFCB77D4EE7}"/>
+                <a16:creationId xmlns:a16="http://schemas.microsoft.com/office/drawing/2014/main" xmlns="" id="{0D4BA202-1243-40FF-B304-CDFCB77D4EE7}"/>
               </a:ext>
             </a:extLst>
           </p:cNvPr>
@@ -4072,7 +4072,7 @@
           <p:cNvPr id="8" name="TextBox 7">
             <a:extLst>
               <a:ext uri="{FF2B5EF4-FFF2-40B4-BE49-F238E27FC236}">
-                <a16:creationId xmlns="" xmlns:a16="http://schemas.microsoft.com/office/drawing/2014/main" id="{7123CF90-653F-4570-BF0C-3E95592B3681}"/>
+                <a16:creationId xmlns:a16="http://schemas.microsoft.com/office/drawing/2014/main" xmlns="" id="{7123CF90-653F-4570-BF0C-3E95592B3681}"/>
               </a:ext>
             </a:extLst>
           </p:cNvPr>
@@ -4108,7 +4108,7 @@
           <p:cNvPr id="10" name="Прямая соединительная линия 9">
             <a:extLst>
               <a:ext uri="{FF2B5EF4-FFF2-40B4-BE49-F238E27FC236}">
-                <a16:creationId xmlns="" xmlns:a16="http://schemas.microsoft.com/office/drawing/2014/main" id="{6AAA9755-85F4-4DE7-AFB8-E3C29C5B849F}"/>
+                <a16:creationId xmlns:a16="http://schemas.microsoft.com/office/drawing/2014/main" xmlns="" id="{6AAA9755-85F4-4DE7-AFB8-E3C29C5B849F}"/>
               </a:ext>
             </a:extLst>
           </p:cNvPr>
@@ -4144,7 +4144,7 @@
           <p:cNvPr id="11" name="TextBox 10">
             <a:extLst>
               <a:ext uri="{FF2B5EF4-FFF2-40B4-BE49-F238E27FC236}">
-                <a16:creationId xmlns="" xmlns:a16="http://schemas.microsoft.com/office/drawing/2014/main" id="{E2BD0C4F-AB8D-4241-96FC-DD23A68FC3AC}"/>
+                <a16:creationId xmlns:a16="http://schemas.microsoft.com/office/drawing/2014/main" xmlns="" id="{E2BD0C4F-AB8D-4241-96FC-DD23A68FC3AC}"/>
               </a:ext>
             </a:extLst>
           </p:cNvPr>
@@ -4180,7 +4180,7 @@
           <p:cNvPr id="12" name="Прямая соединительная линия 11">
             <a:extLst>
               <a:ext uri="{FF2B5EF4-FFF2-40B4-BE49-F238E27FC236}">
-                <a16:creationId xmlns="" xmlns:a16="http://schemas.microsoft.com/office/drawing/2014/main" id="{FD9238EF-09D0-439B-8E1B-4D234826E578}"/>
+                <a16:creationId xmlns:a16="http://schemas.microsoft.com/office/drawing/2014/main" xmlns="" id="{FD9238EF-09D0-439B-8E1B-4D234826E578}"/>
               </a:ext>
             </a:extLst>
           </p:cNvPr>
@@ -4218,7 +4218,7 @@
           <p:cNvPr id="15" name="TextBox 14">
             <a:extLst>
               <a:ext uri="{FF2B5EF4-FFF2-40B4-BE49-F238E27FC236}">
-                <a16:creationId xmlns="" xmlns:a16="http://schemas.microsoft.com/office/drawing/2014/main" id="{7EC1C8AA-3746-45AE-8234-A70BD92A109D}"/>
+                <a16:creationId xmlns:a16="http://schemas.microsoft.com/office/drawing/2014/main" xmlns="" id="{7EC1C8AA-3746-45AE-8234-A70BD92A109D}"/>
               </a:ext>
             </a:extLst>
           </p:cNvPr>
@@ -4263,7 +4263,7 @@
           <p:cNvPr id="17" name="TextBox 16">
             <a:extLst>
               <a:ext uri="{FF2B5EF4-FFF2-40B4-BE49-F238E27FC236}">
-                <a16:creationId xmlns="" xmlns:a16="http://schemas.microsoft.com/office/drawing/2014/main" id="{9DB974FD-3E1F-4BA0-9041-6CAE15A4B62C}"/>
+                <a16:creationId xmlns:a16="http://schemas.microsoft.com/office/drawing/2014/main" xmlns="" id="{9DB974FD-3E1F-4BA0-9041-6CAE15A4B62C}"/>
               </a:ext>
             </a:extLst>
           </p:cNvPr>
@@ -4350,7 +4350,7 @@
         </p:nvSpPr>
         <p:spPr>
           <a:xfrm>
-            <a:off x="968965" y="371754"/>
+            <a:off x="821825" y="834194"/>
             <a:ext cx="4695171" cy="456535"/>
           </a:xfrm>
           <a:prstGeom prst="rect">
@@ -4387,7 +4387,7 @@
         </p:nvSpPr>
         <p:spPr>
           <a:xfrm>
-            <a:off x="4258265" y="2797707"/>
+            <a:off x="902787" y="3081480"/>
             <a:ext cx="4695171" cy="507831"/>
           </a:xfrm>
           <a:prstGeom prst="rect">
@@ -4439,7 +4439,7 @@
         </p:blipFill>
         <p:spPr bwMode="auto">
           <a:xfrm>
-            <a:off x="1257300" y="840988"/>
+            <a:off x="1110160" y="1303428"/>
             <a:ext cx="8416965" cy="1330711"/>
           </a:xfrm>
           <a:prstGeom prst="rect">
@@ -4499,7 +4499,7 @@
         </p:blipFill>
         <p:spPr bwMode="auto">
           <a:xfrm>
-            <a:off x="4465638" y="3305538"/>
+            <a:off x="1110160" y="3589311"/>
             <a:ext cx="6240462" cy="1717672"/>
           </a:xfrm>
           <a:prstGeom prst="rect">
@@ -4581,7 +4581,7 @@
           <p:cNvPr id="3" name="Прямоугольник 2">
             <a:extLst>
               <a:ext uri="{FF2B5EF4-FFF2-40B4-BE49-F238E27FC236}">
-                <a16:creationId xmlns="" xmlns:a16="http://schemas.microsoft.com/office/drawing/2014/main" id="{81555B2D-914D-45E3-A7B3-7188563A4C1C}"/>
+                <a16:creationId xmlns:a16="http://schemas.microsoft.com/office/drawing/2014/main" xmlns="" id="{81555B2D-914D-45E3-A7B3-7188563A4C1C}"/>
               </a:ext>
             </a:extLst>
           </p:cNvPr>
@@ -5070,6 +5070,16 @@
           <a:prstGeom prst="rect">
             <a:avLst/>
           </a:prstGeom>
+          <a:ln>
+            <a:noFill/>
+          </a:ln>
+          <a:effectLst>
+            <a:outerShdw blurRad="292100" dist="139700" dir="2700000" algn="tl" rotWithShape="0">
+              <a:srgbClr val="333333">
+                <a:alpha val="65000"/>
+              </a:srgbClr>
+            </a:outerShdw>
+          </a:effectLst>
         </p:spPr>
       </p:pic>
     </p:spTree>
@@ -5169,6 +5179,16 @@
           <a:prstGeom prst="rect">
             <a:avLst/>
           </a:prstGeom>
+          <a:ln>
+            <a:noFill/>
+          </a:ln>
+          <a:effectLst>
+            <a:outerShdw blurRad="292100" dist="139700" dir="2700000" algn="tl" rotWithShape="0">
+              <a:srgbClr val="333333">
+                <a:alpha val="65000"/>
+              </a:srgbClr>
+            </a:outerShdw>
+          </a:effectLst>
         </p:spPr>
       </p:pic>
     </p:spTree>
@@ -5216,7 +5236,7 @@
           <p:cNvPr id="3" name="Прямоугольник 2">
             <a:extLst>
               <a:ext uri="{FF2B5EF4-FFF2-40B4-BE49-F238E27FC236}">
-                <a16:creationId xmlns="" xmlns:a16="http://schemas.microsoft.com/office/drawing/2014/main" id="{81555B2D-914D-45E3-A7B3-7188563A4C1C}"/>
+                <a16:creationId xmlns:a16="http://schemas.microsoft.com/office/drawing/2014/main" xmlns="" id="{81555B2D-914D-45E3-A7B3-7188563A4C1C}"/>
               </a:ext>
             </a:extLst>
           </p:cNvPr>
@@ -5292,7 +5312,21 @@
                 <a:latin typeface="Arial" pitchFamily="34" charset="0"/>
                 <a:cs typeface="Arial" pitchFamily="34" charset="0"/>
               </a:rPr>
-              <a:t>MS Visual Studios </a:t>
+              <a:t>MS Visual </a:t>
+            </a:r>
+            <a:r>
+              <a:rPr lang="en-US" dirty="0" smtClean="0">
+                <a:latin typeface="Arial" pitchFamily="34" charset="0"/>
+                <a:cs typeface="Arial" pitchFamily="34" charset="0"/>
+              </a:rPr>
+              <a:t>Studios</a:t>
+            </a:r>
+            <a:r>
+              <a:rPr lang="ru-RU" dirty="0" smtClean="0">
+                <a:latin typeface="Arial" pitchFamily="34" charset="0"/>
+                <a:cs typeface="Arial" pitchFamily="34" charset="0"/>
+              </a:rPr>
+              <a:t>.</a:t>
             </a:r>
             <a:endParaRPr lang="ru-RU" dirty="0">
               <a:latin typeface="Arial" pitchFamily="34" charset="0"/>
@@ -5374,7 +5408,7 @@
           <p:cNvPr id="5" name="TextBox 4">
             <a:extLst>
               <a:ext uri="{FF2B5EF4-FFF2-40B4-BE49-F238E27FC236}">
-                <a16:creationId xmlns="" xmlns:a16="http://schemas.microsoft.com/office/drawing/2014/main" id="{83D0DC80-42FC-4DCE-A018-EFA515ACE129}"/>
+                <a16:creationId xmlns:a16="http://schemas.microsoft.com/office/drawing/2014/main" xmlns="" id="{83D0DC80-42FC-4DCE-A018-EFA515ACE129}"/>
               </a:ext>
             </a:extLst>
           </p:cNvPr>
@@ -5413,7 +5447,7 @@
           <p:cNvPr id="6" name="TextBox 5">
             <a:extLst>
               <a:ext uri="{FF2B5EF4-FFF2-40B4-BE49-F238E27FC236}">
-                <a16:creationId xmlns="" xmlns:a16="http://schemas.microsoft.com/office/drawing/2014/main" id="{B6CBCA83-7B37-4755-BC10-364C30559C1A}"/>
+                <a16:creationId xmlns:a16="http://schemas.microsoft.com/office/drawing/2014/main" xmlns="" id="{B6CBCA83-7B37-4755-BC10-364C30559C1A}"/>
               </a:ext>
             </a:extLst>
           </p:cNvPr>
@@ -5462,7 +5496,7 @@
           <p:cNvPr id="7" name="TextBox 6">
             <a:extLst>
               <a:ext uri="{FF2B5EF4-FFF2-40B4-BE49-F238E27FC236}">
-                <a16:creationId xmlns="" xmlns:a16="http://schemas.microsoft.com/office/drawing/2014/main" id="{0D4BA202-1243-40FF-B304-CDFCB77D4EE7}"/>
+                <a16:creationId xmlns:a16="http://schemas.microsoft.com/office/drawing/2014/main" xmlns="" id="{0D4BA202-1243-40FF-B304-CDFCB77D4EE7}"/>
               </a:ext>
             </a:extLst>
           </p:cNvPr>
@@ -5548,7 +5582,7 @@
           <p:cNvPr id="8" name="TextBox 7">
             <a:extLst>
               <a:ext uri="{FF2B5EF4-FFF2-40B4-BE49-F238E27FC236}">
-                <a16:creationId xmlns="" xmlns:a16="http://schemas.microsoft.com/office/drawing/2014/main" id="{7123CF90-653F-4570-BF0C-3E95592B3681}"/>
+                <a16:creationId xmlns:a16="http://schemas.microsoft.com/office/drawing/2014/main" xmlns="" id="{7123CF90-653F-4570-BF0C-3E95592B3681}"/>
               </a:ext>
             </a:extLst>
           </p:cNvPr>
@@ -5584,7 +5618,7 @@
           <p:cNvPr id="10" name="Прямая соединительная линия 9">
             <a:extLst>
               <a:ext uri="{FF2B5EF4-FFF2-40B4-BE49-F238E27FC236}">
-                <a16:creationId xmlns="" xmlns:a16="http://schemas.microsoft.com/office/drawing/2014/main" id="{6AAA9755-85F4-4DE7-AFB8-E3C29C5B849F}"/>
+                <a16:creationId xmlns:a16="http://schemas.microsoft.com/office/drawing/2014/main" xmlns="" id="{6AAA9755-85F4-4DE7-AFB8-E3C29C5B849F}"/>
               </a:ext>
             </a:extLst>
           </p:cNvPr>
@@ -5620,7 +5654,7 @@
           <p:cNvPr id="11" name="TextBox 10">
             <a:extLst>
               <a:ext uri="{FF2B5EF4-FFF2-40B4-BE49-F238E27FC236}">
-                <a16:creationId xmlns="" xmlns:a16="http://schemas.microsoft.com/office/drawing/2014/main" id="{E2BD0C4F-AB8D-4241-96FC-DD23A68FC3AC}"/>
+                <a16:creationId xmlns:a16="http://schemas.microsoft.com/office/drawing/2014/main" xmlns="" id="{E2BD0C4F-AB8D-4241-96FC-DD23A68FC3AC}"/>
               </a:ext>
             </a:extLst>
           </p:cNvPr>
@@ -5656,7 +5690,7 @@
           <p:cNvPr id="12" name="Прямая соединительная линия 11">
             <a:extLst>
               <a:ext uri="{FF2B5EF4-FFF2-40B4-BE49-F238E27FC236}">
-                <a16:creationId xmlns="" xmlns:a16="http://schemas.microsoft.com/office/drawing/2014/main" id="{FD9238EF-09D0-439B-8E1B-4D234826E578}"/>
+                <a16:creationId xmlns:a16="http://schemas.microsoft.com/office/drawing/2014/main" xmlns="" id="{FD9238EF-09D0-439B-8E1B-4D234826E578}"/>
               </a:ext>
             </a:extLst>
           </p:cNvPr>
@@ -5694,7 +5728,7 @@
           <p:cNvPr id="15" name="TextBox 14">
             <a:extLst>
               <a:ext uri="{FF2B5EF4-FFF2-40B4-BE49-F238E27FC236}">
-                <a16:creationId xmlns="" xmlns:a16="http://schemas.microsoft.com/office/drawing/2014/main" id="{7EC1C8AA-3746-45AE-8234-A70BD92A109D}"/>
+                <a16:creationId xmlns:a16="http://schemas.microsoft.com/office/drawing/2014/main" xmlns="" id="{7EC1C8AA-3746-45AE-8234-A70BD92A109D}"/>
               </a:ext>
             </a:extLst>
           </p:cNvPr>
@@ -5739,7 +5773,7 @@
           <p:cNvPr id="17" name="TextBox 16">
             <a:extLst>
               <a:ext uri="{FF2B5EF4-FFF2-40B4-BE49-F238E27FC236}">
-                <a16:creationId xmlns="" xmlns:a16="http://schemas.microsoft.com/office/drawing/2014/main" id="{9DB974FD-3E1F-4BA0-9041-6CAE15A4B62C}"/>
+                <a16:creationId xmlns:a16="http://schemas.microsoft.com/office/drawing/2014/main" xmlns="" id="{9DB974FD-3E1F-4BA0-9041-6CAE15A4B62C}"/>
               </a:ext>
             </a:extLst>
           </p:cNvPr>
@@ -5823,7 +5857,7 @@
           <p:cNvPr id="2" name="Прямоугольник 1">
             <a:extLst>
               <a:ext uri="{FF2B5EF4-FFF2-40B4-BE49-F238E27FC236}">
-                <a16:creationId xmlns="" xmlns:a16="http://schemas.microsoft.com/office/drawing/2014/main" id="{81555B2D-914D-45E3-A7B3-7188563A4C1C}"/>
+                <a16:creationId xmlns:a16="http://schemas.microsoft.com/office/drawing/2014/main" xmlns="" id="{81555B2D-914D-45E3-A7B3-7188563A4C1C}"/>
               </a:ext>
             </a:extLst>
           </p:cNvPr>
@@ -5860,7 +5894,7 @@
           <p:cNvPr id="3" name="TextBox 2">
             <a:extLst>
               <a:ext uri="{FF2B5EF4-FFF2-40B4-BE49-F238E27FC236}">
-                <a16:creationId xmlns="" xmlns:a16="http://schemas.microsoft.com/office/drawing/2014/main" id="{D0E71CC3-70D8-43BC-977C-BB68D18FBA98}"/>
+                <a16:creationId xmlns:a16="http://schemas.microsoft.com/office/drawing/2014/main" xmlns="" id="{D0E71CC3-70D8-43BC-977C-BB68D18FBA98}"/>
               </a:ext>
             </a:extLst>
           </p:cNvPr>
@@ -5870,7 +5904,7 @@
         <p:spPr>
           <a:xfrm>
             <a:off x="1355834" y="1355834"/>
-            <a:ext cx="10310649" cy="872034"/>
+            <a:ext cx="10310649" cy="1288045"/>
           </a:xfrm>
           <a:prstGeom prst="rect">
             <a:avLst/>
@@ -5890,10 +5924,10 @@
             </a:pPr>
             <a:r>
               <a:rPr lang="ru-RU" dirty="0">
-                <a:latin typeface="Arial" panose="020B0604020202020204" pitchFamily="34" charset="0"/>
-                <a:cs typeface="Arial" panose="020B0604020202020204" pitchFamily="34" charset="0"/>
+                <a:latin typeface="Arial" pitchFamily="34" charset="0"/>
+                <a:cs typeface="Arial" pitchFamily="34" charset="0"/>
               </a:rPr>
-              <a:t>Цель проведения учебной практики является приобретение практических навыков работы в области создания, функционирования и использования систем управления базами данных.</a:t>
+              <a:t>Целью учебной практики является овладение видом профессиональной деятельности Разработка модулей программного обеспечения для компьютерных систем, общими и профессиональными компетенциями по специальности.</a:t>
             </a:r>
           </a:p>
         </p:txBody>
@@ -5903,7 +5937,7 @@
           <p:cNvPr id="4" name="TextBox 3">
             <a:extLst>
               <a:ext uri="{FF2B5EF4-FFF2-40B4-BE49-F238E27FC236}">
-                <a16:creationId xmlns="" xmlns:a16="http://schemas.microsoft.com/office/drawing/2014/main" id="{E28B1E43-A31D-46F6-BBF5-4DD68B526F92}"/>
+                <a16:creationId xmlns:a16="http://schemas.microsoft.com/office/drawing/2014/main" xmlns="" id="{E28B1E43-A31D-46F6-BBF5-4DD68B526F92}"/>
               </a:ext>
             </a:extLst>
           </p:cNvPr>
@@ -5912,7 +5946,7 @@
         </p:nvSpPr>
         <p:spPr>
           <a:xfrm>
-            <a:off x="1355834" y="2445415"/>
+            <a:off x="1355834" y="2823774"/>
             <a:ext cx="9711558" cy="2585323"/>
           </a:xfrm>
           <a:prstGeom prst="rect">
@@ -6106,7 +6140,7 @@
           <p:cNvPr id="2" name="Прямоугольник 1">
             <a:extLst>
               <a:ext uri="{FF2B5EF4-FFF2-40B4-BE49-F238E27FC236}">
-                <a16:creationId xmlns="" xmlns:a16="http://schemas.microsoft.com/office/drawing/2014/main" id="{81555B2D-914D-45E3-A7B3-7188563A4C1C}"/>
+                <a16:creationId xmlns:a16="http://schemas.microsoft.com/office/drawing/2014/main" xmlns="" id="{81555B2D-914D-45E3-A7B3-7188563A4C1C}"/>
               </a:ext>
             </a:extLst>
           </p:cNvPr>
@@ -6143,7 +6177,7 @@
           <p:cNvPr id="3" name="TextBox 2">
             <a:extLst>
               <a:ext uri="{FF2B5EF4-FFF2-40B4-BE49-F238E27FC236}">
-                <a16:creationId xmlns="" xmlns:a16="http://schemas.microsoft.com/office/drawing/2014/main" id="{D0E71CC3-70D8-43BC-977C-BB68D18FBA98}"/>
+                <a16:creationId xmlns:a16="http://schemas.microsoft.com/office/drawing/2014/main" xmlns="" id="{D0E71CC3-70D8-43BC-977C-BB68D18FBA98}"/>
               </a:ext>
             </a:extLst>
           </p:cNvPr>
@@ -6152,7 +6186,7 @@
         </p:nvSpPr>
         <p:spPr>
           <a:xfrm>
-            <a:off x="1212800" y="4610680"/>
+            <a:off x="1212800" y="4768330"/>
             <a:ext cx="2781300" cy="507831"/>
           </a:xfrm>
           <a:prstGeom prst="rect">
@@ -6196,7 +6230,7 @@
           <p:cNvPr id="4" name="TextBox 3">
             <a:extLst>
               <a:ext uri="{FF2B5EF4-FFF2-40B4-BE49-F238E27FC236}">
-                <a16:creationId xmlns="" xmlns:a16="http://schemas.microsoft.com/office/drawing/2014/main" id="{E28B1E43-A31D-46F6-BBF5-4DD68B526F92}"/>
+                <a16:creationId xmlns:a16="http://schemas.microsoft.com/office/drawing/2014/main" xmlns="" id="{E28B1E43-A31D-46F6-BBF5-4DD68B526F92}"/>
               </a:ext>
             </a:extLst>
           </p:cNvPr>
@@ -6205,7 +6239,7 @@
         </p:nvSpPr>
         <p:spPr>
           <a:xfrm>
-            <a:off x="4141061" y="3548401"/>
+            <a:off x="4141061" y="3706051"/>
             <a:ext cx="4587767" cy="507831"/>
           </a:xfrm>
           <a:prstGeom prst="rect">
@@ -6249,7 +6283,7 @@
           <p:cNvPr id="5" name="TextBox 4">
             <a:extLst>
               <a:ext uri="{FF2B5EF4-FFF2-40B4-BE49-F238E27FC236}">
-                <a16:creationId xmlns="" xmlns:a16="http://schemas.microsoft.com/office/drawing/2014/main" id="{DB02A083-6DF6-45B9-BD50-40EF778642EE}"/>
+                <a16:creationId xmlns:a16="http://schemas.microsoft.com/office/drawing/2014/main" xmlns="" id="{DB02A083-6DF6-45B9-BD50-40EF778642EE}"/>
               </a:ext>
             </a:extLst>
           </p:cNvPr>
@@ -6258,7 +6292,7 @@
         </p:nvSpPr>
         <p:spPr>
           <a:xfrm>
-            <a:off x="8508234" y="4708267"/>
+            <a:off x="8508234" y="4796279"/>
             <a:ext cx="3464526" cy="507831"/>
           </a:xfrm>
           <a:prstGeom prst="rect">
@@ -6314,7 +6348,7 @@
         </p:blipFill>
         <p:spPr bwMode="auto">
           <a:xfrm>
-            <a:off x="4625018" y="1231258"/>
+            <a:off x="4488388" y="1409928"/>
             <a:ext cx="3696055" cy="2206600"/>
           </a:xfrm>
           <a:prstGeom prst="rect">
@@ -6346,7 +6380,7 @@
           <p:cNvPr id="9" name="Picture 2" descr="Download Microsoft Visio Logo in SVG Vector or PNG File Format - Logo.wine">
             <a:extLst>
               <a:ext uri="{FF2B5EF4-FFF2-40B4-BE49-F238E27FC236}">
-                <a16:creationId xmlns="" xmlns:a16="http://schemas.microsoft.com/office/drawing/2014/main" id="{1D6BC3D7-876C-468F-B14D-6B0A170F29D9}"/>
+                <a16:creationId xmlns:a16="http://schemas.microsoft.com/office/drawing/2014/main" xmlns="" id="{1D6BC3D7-876C-468F-B14D-6B0A170F29D9}"/>
               </a:ext>
             </a:extLst>
           </p:cNvPr>
@@ -6370,7 +6404,7 @@
         </p:blipFill>
         <p:spPr bwMode="auto">
           <a:xfrm>
-            <a:off x="109653" y="1830252"/>
+            <a:off x="109653" y="1987902"/>
             <a:ext cx="4822813" cy="3215208"/>
           </a:xfrm>
           <a:prstGeom prst="rect">
@@ -6402,7 +6436,7 @@
           <p:cNvPr id="10" name="Picture 4" descr="Microsoft Visual Studio — Википедия">
             <a:extLst>
               <a:ext uri="{FF2B5EF4-FFF2-40B4-BE49-F238E27FC236}">
-                <a16:creationId xmlns="" xmlns:a16="http://schemas.microsoft.com/office/drawing/2014/main" id="{B07C53F9-E43E-4226-9E91-C6BC49420702}"/>
+                <a16:creationId xmlns:a16="http://schemas.microsoft.com/office/drawing/2014/main" xmlns="" id="{B07C53F9-E43E-4226-9E91-C6BC49420702}"/>
               </a:ext>
             </a:extLst>
           </p:cNvPr>
@@ -6426,7 +6460,7 @@
         </p:blipFill>
         <p:spPr bwMode="auto">
           <a:xfrm>
-            <a:off x="9198914" y="2355050"/>
+            <a:off x="9156874" y="2432552"/>
             <a:ext cx="2386700" cy="2386701"/>
           </a:xfrm>
           <a:prstGeom prst="rect">
@@ -6498,7 +6532,7 @@
           <p:cNvPr id="3" name="Прямоугольник 2">
             <a:extLst>
               <a:ext uri="{FF2B5EF4-FFF2-40B4-BE49-F238E27FC236}">
-                <a16:creationId xmlns="" xmlns:a16="http://schemas.microsoft.com/office/drawing/2014/main" id="{81555B2D-914D-45E3-A7B3-7188563A4C1C}"/>
+                <a16:creationId xmlns:a16="http://schemas.microsoft.com/office/drawing/2014/main" xmlns="" id="{81555B2D-914D-45E3-A7B3-7188563A4C1C}"/>
               </a:ext>
             </a:extLst>
           </p:cNvPr>
@@ -6537,20 +6571,29 @@
       </p:sp>
       <p:pic>
         <p:nvPicPr>
-          <p:cNvPr id="7" name="Рисунок 6"/>
-          <p:cNvPicPr/>
+          <p:cNvPr id="3074" name="Picture 2"/>
+          <p:cNvPicPr>
+            <a:picLocks noChangeAspect="1" noChangeArrowheads="1"/>
+          </p:cNvPicPr>
           <p:nvPr/>
         </p:nvPicPr>
         <p:blipFill>
-          <a:blip r:embed="rId2"/>
+          <a:blip r:embed="rId2">
+            <a:extLst>
+              <a:ext uri="{28A0092B-C50C-407E-A947-70E740481C1C}">
+                <a14:useLocalDpi xmlns:a14="http://schemas.microsoft.com/office/drawing/2010/main" val="0"/>
+              </a:ext>
+            </a:extLst>
+          </a:blip>
+          <a:srcRect/>
           <a:stretch>
             <a:fillRect/>
           </a:stretch>
         </p:blipFill>
-        <p:spPr>
-          <a:xfrm>
-            <a:off x="2808514" y="1239202"/>
-            <a:ext cx="7527472" cy="5428298"/>
+        <p:spPr bwMode="auto">
+          <a:xfrm>
+            <a:off x="2964514" y="1276350"/>
+            <a:ext cx="6674786" cy="5277530"/>
           </a:xfrm>
           <a:prstGeom prst="rect">
             <a:avLst/>
@@ -6565,6 +6608,25 @@
               </a:srgbClr>
             </a:outerShdw>
           </a:effectLst>
+          <a:extLst>
+            <a:ext uri="{909E8E84-426E-40DD-AFC4-6F175D3DCCD1}">
+              <a14:hiddenFill xmlns:a14="http://schemas.microsoft.com/office/drawing/2010/main">
+                <a:solidFill>
+                  <a:schemeClr val="accent1"/>
+                </a:solidFill>
+              </a14:hiddenFill>
+            </a:ext>
+            <a:ext uri="{91240B29-F687-4F45-9708-019B960494DF}">
+              <a14:hiddenLine xmlns:a14="http://schemas.microsoft.com/office/drawing/2010/main" w="9525">
+                <a:solidFill>
+                  <a:schemeClr val="tx1"/>
+                </a:solidFill>
+                <a:miter lim="800000"/>
+                <a:headEnd/>
+                <a:tailEnd/>
+              </a14:hiddenLine>
+            </a:ext>
+          </a:extLst>
         </p:spPr>
       </p:pic>
     </p:spTree>
@@ -6612,7 +6674,7 @@
           <p:cNvPr id="3" name="Прямоугольник 2">
             <a:extLst>
               <a:ext uri="{FF2B5EF4-FFF2-40B4-BE49-F238E27FC236}">
-                <a16:creationId xmlns="" xmlns:a16="http://schemas.microsoft.com/office/drawing/2014/main" id="{81555B2D-914D-45E3-A7B3-7188563A4C1C}"/>
+                <a16:creationId xmlns:a16="http://schemas.microsoft.com/office/drawing/2014/main" xmlns="" id="{81555B2D-914D-45E3-A7B3-7188563A4C1C}"/>
               </a:ext>
             </a:extLst>
           </p:cNvPr>
@@ -6654,7 +6716,7 @@
           <p:cNvPr id="2" name="Прямоугольник 1">
             <a:extLst>
               <a:ext uri="{FF2B5EF4-FFF2-40B4-BE49-F238E27FC236}">
-                <a16:creationId xmlns="" xmlns:a16="http://schemas.microsoft.com/office/drawing/2014/main" id="{882B10A3-E81D-43CC-9101-460A18614BDD}"/>
+                <a16:creationId xmlns:a16="http://schemas.microsoft.com/office/drawing/2014/main" xmlns="" id="{882B10A3-E81D-43CC-9101-460A18614BDD}"/>
               </a:ext>
             </a:extLst>
           </p:cNvPr>
@@ -6705,20 +6767,29 @@
       </p:sp>
       <p:pic>
         <p:nvPicPr>
-          <p:cNvPr id="5" name="Рисунок 4"/>
-          <p:cNvPicPr/>
+          <p:cNvPr id="4" name="Picture 2"/>
+          <p:cNvPicPr>
+            <a:picLocks noChangeAspect="1" noChangeArrowheads="1"/>
+          </p:cNvPicPr>
           <p:nvPr/>
         </p:nvPicPr>
         <p:blipFill>
-          <a:blip r:embed="rId2"/>
+          <a:blip r:embed="rId2">
+            <a:extLst>
+              <a:ext uri="{28A0092B-C50C-407E-A947-70E740481C1C}">
+                <a14:useLocalDpi xmlns:a14="http://schemas.microsoft.com/office/drawing/2010/main" val="0"/>
+              </a:ext>
+            </a:extLst>
+          </a:blip>
+          <a:srcRect/>
           <a:stretch>
             <a:fillRect/>
           </a:stretch>
         </p:blipFill>
-        <p:spPr>
-          <a:xfrm>
-            <a:off x="1898149" y="1134344"/>
-            <a:ext cx="8834019" cy="5218330"/>
+        <p:spPr bwMode="auto">
+          <a:xfrm>
+            <a:off x="1640115" y="1134280"/>
+            <a:ext cx="9114970" cy="5353919"/>
           </a:xfrm>
           <a:prstGeom prst="rect">
             <a:avLst/>
@@ -6733,6 +6804,25 @@
               </a:srgbClr>
             </a:outerShdw>
           </a:effectLst>
+          <a:extLst>
+            <a:ext uri="{909E8E84-426E-40DD-AFC4-6F175D3DCCD1}">
+              <a14:hiddenFill xmlns:a14="http://schemas.microsoft.com/office/drawing/2010/main">
+                <a:solidFill>
+                  <a:schemeClr val="accent1"/>
+                </a:solidFill>
+              </a14:hiddenFill>
+            </a:ext>
+            <a:ext uri="{91240B29-F687-4F45-9708-019B960494DF}">
+              <a14:hiddenLine xmlns:a14="http://schemas.microsoft.com/office/drawing/2010/main" w="9525">
+                <a:solidFill>
+                  <a:schemeClr val="tx1"/>
+                </a:solidFill>
+                <a:miter lim="800000"/>
+                <a:headEnd/>
+                <a:tailEnd/>
+              </a14:hiddenLine>
+            </a:ext>
+          </a:extLst>
         </p:spPr>
       </p:pic>
     </p:spTree>
@@ -6780,7 +6870,7 @@
           <p:cNvPr id="3" name="Прямоугольник 2">
             <a:extLst>
               <a:ext uri="{FF2B5EF4-FFF2-40B4-BE49-F238E27FC236}">
-                <a16:creationId xmlns="" xmlns:a16="http://schemas.microsoft.com/office/drawing/2014/main" id="{81555B2D-914D-45E3-A7B3-7188563A4C1C}"/>
+                <a16:creationId xmlns:a16="http://schemas.microsoft.com/office/drawing/2014/main" xmlns="" id="{81555B2D-914D-45E3-A7B3-7188563A4C1C}"/>
               </a:ext>
             </a:extLst>
           </p:cNvPr>
@@ -6822,7 +6912,7 @@
           <p:cNvPr id="2" name="Прямоугольник 1">
             <a:extLst>
               <a:ext uri="{FF2B5EF4-FFF2-40B4-BE49-F238E27FC236}">
-                <a16:creationId xmlns="" xmlns:a16="http://schemas.microsoft.com/office/drawing/2014/main" id="{882B10A3-E81D-43CC-9101-460A18614BDD}"/>
+                <a16:creationId xmlns:a16="http://schemas.microsoft.com/office/drawing/2014/main" xmlns="" id="{882B10A3-E81D-43CC-9101-460A18614BDD}"/>
               </a:ext>
             </a:extLst>
           </p:cNvPr>
@@ -6873,20 +6963,29 @@
       </p:sp>
       <p:pic>
         <p:nvPicPr>
-          <p:cNvPr id="5" name="Рисунок 4"/>
-          <p:cNvPicPr/>
+          <p:cNvPr id="2050" name="Picture 2"/>
+          <p:cNvPicPr>
+            <a:picLocks noChangeAspect="1" noChangeArrowheads="1"/>
+          </p:cNvPicPr>
           <p:nvPr/>
         </p:nvPicPr>
         <p:blipFill>
-          <a:blip r:embed="rId2"/>
+          <a:blip r:embed="rId2">
+            <a:extLst>
+              <a:ext uri="{28A0092B-C50C-407E-A947-70E740481C1C}">
+                <a14:useLocalDpi xmlns:a14="http://schemas.microsoft.com/office/drawing/2010/main" val="0"/>
+              </a:ext>
+            </a:extLst>
+          </a:blip>
+          <a:srcRect/>
           <a:stretch>
             <a:fillRect/>
           </a:stretch>
         </p:blipFill>
-        <p:spPr>
-          <a:xfrm>
-            <a:off x="1447800" y="1257300"/>
-            <a:ext cx="10109200" cy="5270499"/>
+        <p:spPr bwMode="auto">
+          <a:xfrm>
+            <a:off x="1768600" y="1186830"/>
+            <a:ext cx="9187769" cy="5240580"/>
           </a:xfrm>
           <a:prstGeom prst="rect">
             <a:avLst/>
@@ -6901,6 +7000,25 @@
               </a:srgbClr>
             </a:outerShdw>
           </a:effectLst>
+          <a:extLst>
+            <a:ext uri="{909E8E84-426E-40DD-AFC4-6F175D3DCCD1}">
+              <a14:hiddenFill xmlns:a14="http://schemas.microsoft.com/office/drawing/2010/main">
+                <a:solidFill>
+                  <a:schemeClr val="accent1"/>
+                </a:solidFill>
+              </a14:hiddenFill>
+            </a:ext>
+            <a:ext uri="{91240B29-F687-4F45-9708-019B960494DF}">
+              <a14:hiddenLine xmlns:a14="http://schemas.microsoft.com/office/drawing/2010/main" w="9525">
+                <a:solidFill>
+                  <a:schemeClr val="tx1"/>
+                </a:solidFill>
+                <a:miter lim="800000"/>
+                <a:headEnd/>
+                <a:tailEnd/>
+              </a14:hiddenLine>
+            </a:ext>
+          </a:extLst>
         </p:spPr>
       </p:pic>
     </p:spTree>
@@ -6948,7 +7066,7 @@
           <p:cNvPr id="3" name="Прямоугольник 2">
             <a:extLst>
               <a:ext uri="{FF2B5EF4-FFF2-40B4-BE49-F238E27FC236}">
-                <a16:creationId xmlns="" xmlns:a16="http://schemas.microsoft.com/office/drawing/2014/main" id="{81555B2D-914D-45E3-A7B3-7188563A4C1C}"/>
+                <a16:creationId xmlns:a16="http://schemas.microsoft.com/office/drawing/2014/main" xmlns="" id="{81555B2D-914D-45E3-A7B3-7188563A4C1C}"/>
               </a:ext>
             </a:extLst>
           </p:cNvPr>
@@ -6958,7 +7076,7 @@
         <p:spPr>
           <a:xfrm>
             <a:off x="1284717" y="397166"/>
-            <a:ext cx="6526467" cy="739754"/>
+            <a:ext cx="5939318" cy="739754"/>
           </a:xfrm>
           <a:prstGeom prst="rect">
             <a:avLst/>
@@ -6976,12 +7094,16 @@
               </a:lnSpc>
             </a:pPr>
             <a:r>
-              <a:rPr lang="ru-RU" sz="3200" b="1" dirty="0">
+              <a:rPr lang="ru-RU" sz="3200" b="1" dirty="0" smtClean="0">
                 <a:latin typeface="Arial" panose="020B0604020202020204" pitchFamily="34" charset="0"/>
                 <a:cs typeface="Arial" panose="020B0604020202020204" pitchFamily="34" charset="0"/>
               </a:rPr>
-              <a:t>Структурная схема программы</a:t>
-            </a:r>
+              <a:t>Физическая модель данных</a:t>
+            </a:r>
+            <a:endParaRPr lang="ru-RU" sz="3200" b="1" dirty="0">
+              <a:latin typeface="Arial" panose="020B0604020202020204" pitchFamily="34" charset="0"/>
+              <a:cs typeface="Arial" panose="020B0604020202020204" pitchFamily="34" charset="0"/>
+            </a:endParaRPr>
           </a:p>
         </p:txBody>
       </p:sp>
@@ -7062,7 +7184,7 @@
           <p:cNvPr id="3" name="Прямоугольник 2">
             <a:extLst>
               <a:ext uri="{FF2B5EF4-FFF2-40B4-BE49-F238E27FC236}">
-                <a16:creationId xmlns="" xmlns:a16="http://schemas.microsoft.com/office/drawing/2014/main" id="{81555B2D-914D-45E3-A7B3-7188563A4C1C}"/>
+                <a16:creationId xmlns:a16="http://schemas.microsoft.com/office/drawing/2014/main" xmlns="" id="{81555B2D-914D-45E3-A7B3-7188563A4C1C}"/>
               </a:ext>
             </a:extLst>
           </p:cNvPr>
@@ -7107,7 +7229,7 @@
         </p:nvSpPr>
         <p:spPr>
           <a:xfrm>
-            <a:off x="1061471" y="1175658"/>
+            <a:off x="809231" y="1102088"/>
             <a:ext cx="3046071" cy="553998"/>
           </a:xfrm>
           <a:prstGeom prst="rect">
@@ -7144,7 +7266,7 @@
         </p:nvSpPr>
         <p:spPr>
           <a:xfrm>
-            <a:off x="776725" y="1694599"/>
+            <a:off x="692645" y="1694599"/>
             <a:ext cx="4695171" cy="456535"/>
           </a:xfrm>
           <a:prstGeom prst="rect">
@@ -7181,7 +7303,7 @@
         </p:nvSpPr>
         <p:spPr>
           <a:xfrm>
-            <a:off x="6975929" y="3067457"/>
+            <a:off x="7406839" y="3046437"/>
             <a:ext cx="4695171" cy="456535"/>
           </a:xfrm>
           <a:prstGeom prst="rect">
@@ -7218,7 +7340,7 @@
         </p:nvSpPr>
         <p:spPr>
           <a:xfrm>
-            <a:off x="1027547" y="4247440"/>
+            <a:off x="890917" y="4247440"/>
             <a:ext cx="4695171" cy="456535"/>
           </a:xfrm>
           <a:prstGeom prst="rect">
@@ -7270,7 +7392,7 @@
         </p:blipFill>
         <p:spPr bwMode="auto">
           <a:xfrm>
-            <a:off x="862447" y="2158194"/>
+            <a:off x="1083157" y="2158194"/>
             <a:ext cx="6224690" cy="1689906"/>
           </a:xfrm>
           <a:prstGeom prst="rect">
@@ -7330,7 +7452,7 @@
         </p:blipFill>
         <p:spPr bwMode="auto">
           <a:xfrm>
-            <a:off x="7537450" y="3523992"/>
+            <a:off x="7747650" y="3502972"/>
             <a:ext cx="3635940" cy="1022608"/>
           </a:xfrm>
           <a:prstGeom prst="rect">
@@ -8033,7 +8155,7 @@
   <a:extraClrSchemeLst/>
   <a:extLst>
     <a:ext uri="{05A4C25C-085E-4340-85A3-A5531E510DB2}">
-      <thm15:themeFamily xmlns="" xmlns:thm15="http://schemas.microsoft.com/office/thememl/2012/main" name="Crop" id="{EC9488ED-E761-4D60-9AC4-764D1FE2C171}" vid="{CE19780C-D67D-4C13-9DE9-A52BC3BA51B4}"/>
+      <thm15:themeFamily xmlns:thm15="http://schemas.microsoft.com/office/thememl/2012/main" xmlns="" name="Crop" id="{EC9488ED-E761-4D60-9AC4-764D1FE2C171}" vid="{CE19780C-D67D-4C13-9DE9-A52BC3BA51B4}"/>
     </a:ext>
   </a:extLst>
 </a:theme>
